--- a/Capstone_analyze-a_b-test-results.pptx
+++ b/Capstone_analyze-a_b-test-results.pptx
@@ -263,7 +263,7 @@
   </p:defaultTextStyle>
   <p:extLst>
     <p:ext uri="{EFAFB233-063F-42B5-8137-9DF3F51BA10A}">
-      <p15:sldGuideLst xmlns:p15="http://schemas.microsoft.com/office/powerpoint/2012/main" xmlns="">
+      <p15:sldGuideLst xmlns="" xmlns:p15="http://schemas.microsoft.com/office/powerpoint/2012/main">
         <p15:guide id="1" orient="horz" pos="1620">
           <p15:clr>
             <a:srgbClr val="A4A3A4"/>
@@ -8581,7 +8581,7 @@
           <p:nvPr>
             <p:extLst>
               <p:ext uri="{D42A27DB-BD31-4B8C-83A1-F6EECF244321}">
-                <p14:modId xmlns:p14="http://schemas.microsoft.com/office/powerpoint/2010/main" xmlns="" val="3764629005"/>
+                <p14:modId xmlns="" xmlns:p14="http://schemas.microsoft.com/office/powerpoint/2010/main" val="3764629005"/>
               </p:ext>
             </p:extLst>
           </p:nvPr>
@@ -8601,28 +8601,28 @@
                 <a:gridCol w="1809750">
                   <a:extLst>
                     <a:ext uri="{9D8B030D-6E8A-4147-A177-3AD203B41FA5}">
-                      <a16:colId xmlns:a16="http://schemas.microsoft.com/office/drawing/2014/main" xmlns="" val="20000"/>
+                      <a16:colId xmlns="" xmlns:a16="http://schemas.microsoft.com/office/drawing/2014/main" val="20000"/>
                     </a:ext>
                   </a:extLst>
                 </a:gridCol>
                 <a:gridCol w="1809750">
                   <a:extLst>
                     <a:ext uri="{9D8B030D-6E8A-4147-A177-3AD203B41FA5}">
-                      <a16:colId xmlns:a16="http://schemas.microsoft.com/office/drawing/2014/main" xmlns="" val="20001"/>
+                      <a16:colId xmlns="" xmlns:a16="http://schemas.microsoft.com/office/drawing/2014/main" val="20001"/>
                     </a:ext>
                   </a:extLst>
                 </a:gridCol>
                 <a:gridCol w="1809750">
                   <a:extLst>
                     <a:ext uri="{9D8B030D-6E8A-4147-A177-3AD203B41FA5}">
-                      <a16:colId xmlns:a16="http://schemas.microsoft.com/office/drawing/2014/main" xmlns="" val="20002"/>
+                      <a16:colId xmlns="" xmlns:a16="http://schemas.microsoft.com/office/drawing/2014/main" val="20002"/>
                     </a:ext>
                   </a:extLst>
                 </a:gridCol>
                 <a:gridCol w="1809750">
                   <a:extLst>
                     <a:ext uri="{9D8B030D-6E8A-4147-A177-3AD203B41FA5}">
-                      <a16:colId xmlns:a16="http://schemas.microsoft.com/office/drawing/2014/main" xmlns="" val="20003"/>
+                      <a16:colId xmlns="" xmlns:a16="http://schemas.microsoft.com/office/drawing/2014/main" val="20003"/>
                     </a:ext>
                   </a:extLst>
                 </a:gridCol>
@@ -8734,7 +8734,7 @@
                 </a:tc>
                 <a:extLst>
                   <a:ext uri="{0D108BD9-81ED-4DB2-BD59-A6C34878D82A}">
-                    <a16:rowId xmlns:a16="http://schemas.microsoft.com/office/drawing/2014/main" xmlns="" val="10000"/>
+                    <a16:rowId xmlns="" xmlns:a16="http://schemas.microsoft.com/office/drawing/2014/main" val="10000"/>
                   </a:ext>
                 </a:extLst>
               </a:tr>
@@ -8875,7 +8875,7 @@
                 </a:tc>
                 <a:extLst>
                   <a:ext uri="{0D108BD9-81ED-4DB2-BD59-A6C34878D82A}">
-                    <a16:rowId xmlns:a16="http://schemas.microsoft.com/office/drawing/2014/main" xmlns="" val="10001"/>
+                    <a16:rowId xmlns="" xmlns:a16="http://schemas.microsoft.com/office/drawing/2014/main" val="10001"/>
                   </a:ext>
                 </a:extLst>
               </a:tr>
@@ -9017,7 +9017,7 @@
                 </a:tc>
                 <a:extLst>
                   <a:ext uri="{0D108BD9-81ED-4DB2-BD59-A6C34878D82A}">
-                    <a16:rowId xmlns:a16="http://schemas.microsoft.com/office/drawing/2014/main" xmlns="" val="10002"/>
+                    <a16:rowId xmlns="" xmlns:a16="http://schemas.microsoft.com/office/drawing/2014/main" val="10002"/>
                   </a:ext>
                 </a:extLst>
               </a:tr>
@@ -9401,22 +9401,7 @@
                 <a:cs typeface="Cambria"/>
                 <a:sym typeface="Cambria"/>
               </a:rPr>
-              <a:t>5</a:t>
-            </a:r>
-            <a:r>
-              <a:rPr lang="en" sz="2000" b="1" dirty="0" smtClean="0">
-                <a:solidFill>
-                  <a:srgbClr val="FF0000"/>
-                </a:solidFill>
-                <a:highlight>
-                  <a:schemeClr val="lt1"/>
-                </a:highlight>
-                <a:latin typeface="Cambria"/>
-                <a:ea typeface="Cambria"/>
-                <a:cs typeface="Cambria"/>
-                <a:sym typeface="Cambria"/>
-              </a:rPr>
-              <a:t>%</a:t>
+              <a:t>5%</a:t>
             </a:r>
             <a:endParaRPr sz="2000" b="1" dirty="0">
               <a:solidFill>
@@ -9566,37 +9551,7 @@
                 <a:cs typeface="Cambria"/>
                 <a:sym typeface="Cambria"/>
               </a:rPr>
-              <a:t> </a:t>
-            </a:r>
-            <a:r>
-              <a:rPr lang="en-US" sz="2000" b="1" dirty="0" smtClean="0">
-                <a:solidFill>
-                  <a:srgbClr val="FF0000"/>
-                </a:solidFill>
-                <a:highlight>
-                  <a:schemeClr val="lt1"/>
-                </a:highlight>
-                <a:latin typeface="Cambria"/>
-                <a:ea typeface="Cambria"/>
-                <a:cs typeface="Cambria"/>
-                <a:sym typeface="Cambria"/>
-              </a:rPr>
-              <a:t>p-value </a:t>
-            </a:r>
-            <a:r>
-              <a:rPr lang="en-US" sz="2000" b="1" dirty="0" smtClean="0">
-                <a:solidFill>
-                  <a:srgbClr val="FF0000"/>
-                </a:solidFill>
-                <a:highlight>
-                  <a:schemeClr val="lt1"/>
-                </a:highlight>
-                <a:latin typeface="Cambria"/>
-                <a:ea typeface="Cambria"/>
-                <a:cs typeface="Cambria"/>
-                <a:sym typeface="Cambria"/>
-              </a:rPr>
-              <a:t>of 0, we get significantly confidence about the Treatment page effect over the audience. </a:t>
+              <a:t> p-value of 0, we get significantly confidence about the Treatment page effect over the audience. </a:t>
             </a:r>
             <a:endParaRPr sz="2000" dirty="0">
               <a:solidFill>
@@ -9769,7 +9724,7 @@
                 <a:cs typeface="Cambria"/>
                 <a:sym typeface="Cambria"/>
               </a:rPr>
-              <a:t>Improvment </a:t>
+              <a:t>F</a:t>
             </a:r>
             <a:r>
               <a:rPr lang="en" sz="2000" b="1" dirty="0" smtClean="0">
@@ -9784,7 +9739,7 @@
                 <a:cs typeface="Cambria"/>
                 <a:sym typeface="Cambria"/>
               </a:rPr>
-              <a:t>between Control and Experiment results does not show evidence of an impact relying on </a:t>
+              <a:t>urther investigation confirms that improvment in conversion rate </a:t>
             </a:r>
             <a:r>
               <a:rPr lang="en" sz="2000" b="1" dirty="0" smtClean="0">
@@ -9799,7 +9754,97 @@
                 <a:cs typeface="Cambria"/>
                 <a:sym typeface="Cambria"/>
               </a:rPr>
-              <a:t>coutry the audience is originated from.</a:t>
+              <a:t>between Control and </a:t>
+            </a:r>
+            <a:r>
+              <a:rPr lang="en" sz="2000" b="1" dirty="0" smtClean="0">
+                <a:solidFill>
+                  <a:srgbClr val="FF0000"/>
+                </a:solidFill>
+                <a:highlight>
+                  <a:schemeClr val="lt1"/>
+                </a:highlight>
+                <a:latin typeface="Cambria"/>
+                <a:ea typeface="Cambria"/>
+                <a:cs typeface="Cambria"/>
+                <a:sym typeface="Cambria"/>
+              </a:rPr>
+              <a:t>Experiment groups does </a:t>
+            </a:r>
+            <a:r>
+              <a:rPr lang="en" sz="2000" b="1" dirty="0" smtClean="0">
+                <a:solidFill>
+                  <a:srgbClr val="FF0000"/>
+                </a:solidFill>
+                <a:highlight>
+                  <a:schemeClr val="lt1"/>
+                </a:highlight>
+                <a:latin typeface="Cambria"/>
+                <a:ea typeface="Cambria"/>
+                <a:cs typeface="Cambria"/>
+                <a:sym typeface="Cambria"/>
+              </a:rPr>
+              <a:t>not </a:t>
+            </a:r>
+            <a:r>
+              <a:rPr lang="en" sz="2000" b="1" dirty="0" smtClean="0">
+                <a:solidFill>
+                  <a:srgbClr val="FF0000"/>
+                </a:solidFill>
+                <a:highlight>
+                  <a:schemeClr val="lt1"/>
+                </a:highlight>
+                <a:latin typeface="Cambria"/>
+                <a:ea typeface="Cambria"/>
+                <a:cs typeface="Cambria"/>
+                <a:sym typeface="Cambria"/>
+              </a:rPr>
+              <a:t>rely </a:t>
+            </a:r>
+            <a:r>
+              <a:rPr lang="en" sz="2000" b="1" dirty="0" smtClean="0">
+                <a:solidFill>
+                  <a:srgbClr val="FF0000"/>
+                </a:solidFill>
+                <a:highlight>
+                  <a:schemeClr val="lt1"/>
+                </a:highlight>
+                <a:latin typeface="Cambria"/>
+                <a:ea typeface="Cambria"/>
+                <a:cs typeface="Cambria"/>
+                <a:sym typeface="Cambria"/>
+              </a:rPr>
+              <a:t>on </a:t>
+            </a:r>
+            <a:r>
+              <a:rPr lang="en" sz="2000" b="1" dirty="0" smtClean="0">
+                <a:solidFill>
+                  <a:srgbClr val="FF0000"/>
+                </a:solidFill>
+                <a:highlight>
+                  <a:schemeClr val="lt1"/>
+                </a:highlight>
+                <a:latin typeface="Cambria"/>
+                <a:ea typeface="Cambria"/>
+                <a:cs typeface="Cambria"/>
+                <a:sym typeface="Cambria"/>
+              </a:rPr>
+              <a:t>countries </a:t>
+            </a:r>
+            <a:r>
+              <a:rPr lang="en" sz="2000" b="1" dirty="0" smtClean="0">
+                <a:solidFill>
+                  <a:srgbClr val="FF0000"/>
+                </a:solidFill>
+                <a:highlight>
+                  <a:schemeClr val="lt1"/>
+                </a:highlight>
+                <a:latin typeface="Cambria"/>
+                <a:ea typeface="Cambria"/>
+                <a:cs typeface="Cambria"/>
+                <a:sym typeface="Cambria"/>
+              </a:rPr>
+              <a:t>the audience is originated from.</a:t>
             </a:r>
             <a:endParaRPr sz="2000" b="1" dirty="0">
               <a:solidFill>
